--- a/fuentes/contenidos/grado10/guion06/CN_10_06Map.pptx
+++ b/fuentes/contenidos/grado10/guion06/CN_10_06Map.pptx
@@ -109,7 +109,18 @@
   </p:defaultTextStyle>
   <p:extLst>
     <p:ext uri="{EFAFB233-063F-42B5-8137-9DF3F51BA10A}">
-      <p15:sldGuideLst xmlns:p15="http://schemas.microsoft.com/office/powerpoint/2012/main" xmlns=""/>
+      <p15:sldGuideLst xmlns:p15="http://schemas.microsoft.com/office/powerpoint/2012/main">
+        <p15:guide id="1" orient="horz" pos="2160">
+          <p15:clr>
+            <a:srgbClr val="A4A3A4"/>
+          </p15:clr>
+        </p15:guide>
+        <p15:guide id="2" pos="2880">
+          <p15:clr>
+            <a:srgbClr val="A4A3A4"/>
+          </p15:clr>
+        </p15:guide>
+      </p15:sldGuideLst>
     </p:ext>
   </p:extLst>
 </p:presentation>
@@ -203,7 +214,7 @@
           <a:p>
             <a:fld id="{647CBCAB-DE63-4399-854F-1601478314CF}" type="datetimeFigureOut">
               <a:rPr lang="es-ES" smtClean="0"/>
-              <a:t>14/09/15</a:t>
+              <a:t>10/06/2016</a:t>
             </a:fld>
             <a:endParaRPr lang="es-ES"/>
           </a:p>
@@ -362,7 +373,7 @@
           <a:p>
             <a:fld id="{40769F97-D998-4CDB-8670-CE969F83C5B1}" type="slidenum">
               <a:rPr lang="es-ES" smtClean="0"/>
-              <a:t>‹Nr.›</a:t>
+              <a:t>‹Nº›</a:t>
             </a:fld>
             <a:endParaRPr lang="es-ES"/>
           </a:p>
@@ -501,7 +512,7 @@
   <p:timing>
     <p:tnLst>
       <p:par>
-        <p:cTn xmlns:p14="http://schemas.microsoft.com/office/powerpoint/2010/main" id="1" dur="indefinite" restart="never" nodeType="tmRoot"/>
+        <p:cTn id="1" dur="indefinite" restart="never" nodeType="tmRoot"/>
       </p:par>
     </p:tnLst>
   </p:timing>
@@ -538,7 +549,7 @@
   <p:timing>
     <p:tnLst>
       <p:par>
-        <p:cTn xmlns:p14="http://schemas.microsoft.com/office/powerpoint/2010/main" id="1" dur="indefinite" restart="never" nodeType="tmRoot"/>
+        <p:cTn id="1" dur="indefinite" restart="never" nodeType="tmRoot"/>
       </p:par>
     </p:tnLst>
   </p:timing>
@@ -575,7 +586,7 @@
   <p:timing>
     <p:tnLst>
       <p:par>
-        <p:cTn xmlns:p14="http://schemas.microsoft.com/office/powerpoint/2010/main" id="1" dur="indefinite" restart="never" nodeType="tmRoot"/>
+        <p:cTn id="1" dur="indefinite" restart="never" nodeType="tmRoot"/>
       </p:par>
     </p:tnLst>
   </p:timing>
@@ -612,7 +623,7 @@
   <p:timing>
     <p:tnLst>
       <p:par>
-        <p:cTn xmlns:p14="http://schemas.microsoft.com/office/powerpoint/2010/main" id="1" dur="indefinite" restart="never" nodeType="tmRoot"/>
+        <p:cTn id="1" dur="indefinite" restart="never" nodeType="tmRoot"/>
       </p:par>
     </p:tnLst>
   </p:timing>
@@ -649,7 +660,7 @@
   <p:timing>
     <p:tnLst>
       <p:par>
-        <p:cTn xmlns:p14="http://schemas.microsoft.com/office/powerpoint/2010/main" id="1" dur="indefinite" restart="never" nodeType="tmRoot"/>
+        <p:cTn id="1" dur="indefinite" restart="never" nodeType="tmRoot"/>
       </p:par>
     </p:tnLst>
   </p:timing>
@@ -686,7 +697,7 @@
   <p:timing>
     <p:tnLst>
       <p:par>
-        <p:cTn xmlns:p14="http://schemas.microsoft.com/office/powerpoint/2010/main" id="1" dur="indefinite" restart="never" nodeType="tmRoot"/>
+        <p:cTn id="1" dur="indefinite" restart="never" nodeType="tmRoot"/>
       </p:par>
     </p:tnLst>
   </p:timing>
@@ -723,7 +734,7 @@
   <p:timing>
     <p:tnLst>
       <p:par>
-        <p:cTn xmlns:p14="http://schemas.microsoft.com/office/powerpoint/2010/main" id="1" dur="indefinite" restart="never" nodeType="tmRoot"/>
+        <p:cTn id="1" dur="indefinite" restart="never" nodeType="tmRoot"/>
       </p:par>
     </p:tnLst>
   </p:timing>
@@ -760,7 +771,7 @@
   <p:timing>
     <p:tnLst>
       <p:par>
-        <p:cTn xmlns:p14="http://schemas.microsoft.com/office/powerpoint/2010/main" id="1" dur="indefinite" restart="never" nodeType="tmRoot"/>
+        <p:cTn id="1" dur="indefinite" restart="never" nodeType="tmRoot"/>
       </p:par>
     </p:tnLst>
   </p:timing>
@@ -809,7 +820,7 @@
           <a:p>
             <a:fld id="{5001C876-01F7-4317-94B9-1AE222133113}" type="datetimeFigureOut">
               <a:rPr lang="es-ES" smtClean="0"/>
-              <a:t>14/09/15</a:t>
+              <a:t>10/06/2016</a:t>
             </a:fld>
             <a:endParaRPr lang="es-ES"/>
           </a:p>
@@ -867,7 +878,7 @@
           <a:p>
             <a:fld id="{58140F73-F5A2-4B82-A2FA-BF1850CF1309}" type="slidenum">
               <a:rPr lang="es-ES" smtClean="0"/>
-              <a:t>‹Nr.›</a:t>
+              <a:t>‹Nº›</a:t>
             </a:fld>
             <a:endParaRPr lang="es-ES"/>
           </a:p>
@@ -886,7 +897,7 @@
   <p:timing>
     <p:tnLst>
       <p:par>
-        <p:cTn xmlns:p14="http://schemas.microsoft.com/office/powerpoint/2010/main" id="1" dur="indefinite" restart="never" nodeType="tmRoot"/>
+        <p:cTn id="1" dur="indefinite" restart="never" nodeType="tmRoot"/>
       </p:par>
     </p:tnLst>
   </p:timing>
@@ -923,7 +934,7 @@
   <p:timing>
     <p:tnLst>
       <p:par>
-        <p:cTn xmlns:p14="http://schemas.microsoft.com/office/powerpoint/2010/main" id="1" dur="indefinite" restart="never" nodeType="tmRoot"/>
+        <p:cTn id="1" dur="indefinite" restart="never" nodeType="tmRoot"/>
       </p:par>
     </p:tnLst>
   </p:timing>
@@ -960,7 +971,7 @@
   <p:timing>
     <p:tnLst>
       <p:par>
-        <p:cTn xmlns:p14="http://schemas.microsoft.com/office/powerpoint/2010/main" id="1" dur="indefinite" restart="never" nodeType="tmRoot"/>
+        <p:cTn id="1" dur="indefinite" restart="never" nodeType="tmRoot"/>
       </p:par>
     </p:tnLst>
   </p:timing>
@@ -1073,7 +1084,7 @@
   <p:timing>
     <p:tnLst>
       <p:par>
-        <p:cTn xmlns:p14="http://schemas.microsoft.com/office/powerpoint/2010/main" id="1" dur="indefinite" restart="never" nodeType="tmRoot"/>
+        <p:cTn id="1" dur="indefinite" restart="never" nodeType="tmRoot"/>
       </p:par>
     </p:tnLst>
   </p:timing>
@@ -1632,6 +1643,16 @@
           <a:p>
             <a:pPr algn="ctr"/>
             <a:r>
+              <a:rPr lang="es-ES" sz="1000" dirty="0">
+                <a:solidFill>
+                  <a:schemeClr val="bg1"/>
+                </a:solidFill>
+                <a:latin typeface="Arial" pitchFamily="34" charset="0"/>
+                <a:cs typeface="Arial" pitchFamily="34" charset="0"/>
+              </a:rPr>
+              <a:t>c</a:t>
+            </a:r>
+            <a:r>
               <a:rPr lang="es-ES" sz="1000" dirty="0" smtClean="0">
                 <a:solidFill>
                   <a:schemeClr val="bg1"/>
@@ -1639,7 +1660,17 @@
                 <a:latin typeface="Arial" pitchFamily="34" charset="0"/>
                 <a:cs typeface="Arial" pitchFamily="34" charset="0"/>
               </a:rPr>
-              <a:t>Cantidad vectorial</a:t>
+              <a:t>antidad </a:t>
+            </a:r>
+            <a:r>
+              <a:rPr lang="es-ES" sz="1000" dirty="0" smtClean="0">
+                <a:solidFill>
+                  <a:schemeClr val="bg1"/>
+                </a:solidFill>
+                <a:latin typeface="Arial" pitchFamily="34" charset="0"/>
+                <a:cs typeface="Arial" pitchFamily="34" charset="0"/>
+              </a:rPr>
+              <a:t>vectorial</a:t>
             </a:r>
             <a:endParaRPr lang="es-ES" sz="1000" dirty="0">
               <a:solidFill>
@@ -1661,8 +1692,8 @@
         </p:nvSpPr>
         <p:spPr>
           <a:xfrm>
-            <a:off x="4932040" y="853291"/>
-            <a:ext cx="1440000" cy="540000"/>
+            <a:off x="4932040" y="877070"/>
+            <a:ext cx="1440000" cy="492443"/>
           </a:xfrm>
           <a:prstGeom prst="rect">
             <a:avLst/>
@@ -1697,7 +1728,21 @@
                 <a:latin typeface="Arial" pitchFamily="34" charset="0"/>
                 <a:cs typeface="Arial" pitchFamily="34" charset="0"/>
               </a:rPr>
-              <a:t>Colisiones ó choques</a:t>
+              <a:t>Colisiones </a:t>
+            </a:r>
+            <a:r>
+              <a:rPr lang="es-ES" dirty="0" smtClean="0">
+                <a:latin typeface="Arial" pitchFamily="34" charset="0"/>
+                <a:cs typeface="Arial" pitchFamily="34" charset="0"/>
+              </a:rPr>
+              <a:t>o </a:t>
+            </a:r>
+            <a:r>
+              <a:rPr lang="es-ES" dirty="0" smtClean="0">
+                <a:latin typeface="Arial" pitchFamily="34" charset="0"/>
+                <a:cs typeface="Arial" pitchFamily="34" charset="0"/>
+              </a:rPr>
+              <a:t>choques</a:t>
             </a:r>
             <a:endParaRPr lang="es-ES" dirty="0">
               <a:latin typeface="Arial" pitchFamily="34" charset="0"/>
@@ -1826,11 +1871,18 @@
           <a:p>
             <a:pPr algn="ctr"/>
             <a:r>
+              <a:rPr lang="es-ES" sz="1000" dirty="0">
+                <a:latin typeface="Arial" pitchFamily="34" charset="0"/>
+                <a:cs typeface="Arial" pitchFamily="34" charset="0"/>
+              </a:rPr>
+              <a:t>m</a:t>
+            </a:r>
+            <a:r>
               <a:rPr lang="es-ES" sz="1000" dirty="0" smtClean="0">
                 <a:latin typeface="Arial" pitchFamily="34" charset="0"/>
                 <a:cs typeface="Arial" pitchFamily="34" charset="0"/>
               </a:rPr>
-              <a:t>Masa</a:t>
+              <a:t>asa</a:t>
             </a:r>
             <a:endParaRPr lang="es-ES" sz="1000" dirty="0">
               <a:latin typeface="Arial" pitchFamily="34" charset="0"/>
@@ -1872,11 +1924,18 @@
           <a:p>
             <a:pPr algn="ctr"/>
             <a:r>
+              <a:rPr lang="es-ES" sz="1000" dirty="0">
+                <a:latin typeface="Arial" pitchFamily="34" charset="0"/>
+                <a:cs typeface="Arial" pitchFamily="34" charset="0"/>
+              </a:rPr>
+              <a:t>v</a:t>
+            </a:r>
+            <a:r>
               <a:rPr lang="es-ES" sz="1000" dirty="0" smtClean="0">
                 <a:latin typeface="Arial" pitchFamily="34" charset="0"/>
                 <a:cs typeface="Arial" pitchFamily="34" charset="0"/>
               </a:rPr>
-              <a:t>Velocidad</a:t>
+              <a:t>elocidad</a:t>
             </a:r>
             <a:endParaRPr lang="es-ES" sz="1000" dirty="0">
               <a:latin typeface="Arial" pitchFamily="34" charset="0"/>
@@ -1917,11 +1976,25 @@
               <a:buChar char="•"/>
             </a:pPr>
             <a:r>
+              <a:rPr lang="es-ES" sz="900" dirty="0">
+                <a:latin typeface="Arial" pitchFamily="34" charset="0"/>
+                <a:cs typeface="Arial" pitchFamily="34" charset="0"/>
+              </a:rPr>
+              <a:t>c</a:t>
+            </a:r>
+            <a:r>
               <a:rPr lang="es-ES" sz="900" dirty="0" smtClean="0">
                 <a:latin typeface="Arial" pitchFamily="34" charset="0"/>
                 <a:cs typeface="Arial" pitchFamily="34" charset="0"/>
               </a:rPr>
-              <a:t>Colisiones entre objetos</a:t>
+              <a:t>olisiones </a:t>
+            </a:r>
+            <a:r>
+              <a:rPr lang="es-ES" sz="900" dirty="0" smtClean="0">
+                <a:latin typeface="Arial" pitchFamily="34" charset="0"/>
+                <a:cs typeface="Arial" pitchFamily="34" charset="0"/>
+              </a:rPr>
+              <a:t>entre objetos</a:t>
             </a:r>
           </a:p>
           <a:p>
@@ -1930,11 +2003,18 @@
               <a:buChar char="•"/>
             </a:pPr>
             <a:r>
+              <a:rPr lang="es-ES" sz="900" dirty="0">
+                <a:latin typeface="Arial" pitchFamily="34" charset="0"/>
+                <a:cs typeface="Arial" pitchFamily="34" charset="0"/>
+              </a:rPr>
+              <a:t>e</a:t>
+            </a:r>
+            <a:r>
               <a:rPr lang="es-ES" sz="900" dirty="0" smtClean="0">
                 <a:latin typeface="Arial" pitchFamily="34" charset="0"/>
                 <a:cs typeface="Arial" pitchFamily="34" charset="0"/>
               </a:rPr>
-              <a:t>Explosiones</a:t>
+              <a:t>xplosiones</a:t>
             </a:r>
             <a:endParaRPr lang="es-ES" sz="900" dirty="0">
               <a:latin typeface="Arial" pitchFamily="34" charset="0"/>
@@ -1972,11 +2052,25 @@
           <a:p>
             <a:pPr algn="ctr"/>
             <a:r>
+              <a:rPr lang="es-ES" sz="900" dirty="0">
+                <a:latin typeface="Arial" pitchFamily="34" charset="0"/>
+                <a:cs typeface="Arial" pitchFamily="34" charset="0"/>
+              </a:rPr>
+              <a:t>s</a:t>
+            </a:r>
+            <a:r>
               <a:rPr lang="es-ES" sz="900" dirty="0" smtClean="0">
                 <a:latin typeface="Arial" pitchFamily="34" charset="0"/>
                 <a:cs typeface="Arial" pitchFamily="34" charset="0"/>
               </a:rPr>
-              <a:t>Segunda ley de Newton</a:t>
+              <a:t>egunda </a:t>
+            </a:r>
+            <a:r>
+              <a:rPr lang="es-ES" sz="900" dirty="0" smtClean="0">
+                <a:latin typeface="Arial" pitchFamily="34" charset="0"/>
+                <a:cs typeface="Arial" pitchFamily="34" charset="0"/>
+              </a:rPr>
+              <a:t>ley de Newton</a:t>
             </a:r>
             <a:endParaRPr lang="es-ES" sz="900" dirty="0">
               <a:latin typeface="Arial" pitchFamily="34" charset="0"/>
@@ -2172,6 +2266,16 @@
           <a:p>
             <a:pPr algn="ctr"/>
             <a:r>
+              <a:rPr lang="es-ES" sz="1000" dirty="0" err="1">
+                <a:solidFill>
+                  <a:schemeClr val="bg1"/>
+                </a:solidFill>
+                <a:latin typeface="Arial" pitchFamily="34" charset="0"/>
+                <a:cs typeface="Arial" pitchFamily="34" charset="0"/>
+              </a:rPr>
+              <a:t>m</a:t>
+            </a:r>
+            <a:r>
               <a:rPr lang="es-ES" sz="1000" dirty="0" err="1" smtClean="0">
                 <a:solidFill>
                   <a:schemeClr val="bg1"/>
@@ -2179,7 +2283,7 @@
                 <a:latin typeface="Arial" pitchFamily="34" charset="0"/>
                 <a:cs typeface="Arial" pitchFamily="34" charset="0"/>
               </a:rPr>
-              <a:t>Momentum</a:t>
+              <a:t>omentum</a:t>
             </a:r>
             <a:r>
               <a:rPr lang="es-ES" sz="1000" dirty="0" smtClean="0">
@@ -2189,7 +2293,17 @@
                 <a:latin typeface="Arial" pitchFamily="34" charset="0"/>
                 <a:cs typeface="Arial" pitchFamily="34" charset="0"/>
               </a:rPr>
-              <a:t> lineal de sistema aislado se conserva</a:t>
+              <a:t> </a:t>
+            </a:r>
+            <a:r>
+              <a:rPr lang="es-ES" sz="1000" dirty="0" smtClean="0">
+                <a:solidFill>
+                  <a:schemeClr val="bg1"/>
+                </a:solidFill>
+                <a:latin typeface="Arial" pitchFamily="34" charset="0"/>
+                <a:cs typeface="Arial" pitchFamily="34" charset="0"/>
+              </a:rPr>
+              <a:t>lineal de sistema aislado se conserva</a:t>
             </a:r>
             <a:endParaRPr lang="es-ES" sz="1000" dirty="0">
               <a:solidFill>
@@ -2234,11 +2348,25 @@
           <a:p>
             <a:pPr algn="ctr"/>
             <a:r>
+              <a:rPr lang="es-ES" sz="900" dirty="0">
+                <a:latin typeface="Arial" pitchFamily="34" charset="0"/>
+                <a:cs typeface="Arial" pitchFamily="34" charset="0"/>
+              </a:rPr>
+              <a:t>f</a:t>
+            </a:r>
+            <a:r>
               <a:rPr lang="es-ES" sz="900" dirty="0" smtClean="0">
                 <a:latin typeface="Arial" pitchFamily="34" charset="0"/>
                 <a:cs typeface="Arial" pitchFamily="34" charset="0"/>
               </a:rPr>
-              <a:t>Fuerza externa sobre el sistema debe ser cero</a:t>
+              <a:t>uerza </a:t>
+            </a:r>
+            <a:r>
+              <a:rPr lang="es-ES" sz="900" dirty="0" smtClean="0">
+                <a:latin typeface="Arial" pitchFamily="34" charset="0"/>
+                <a:cs typeface="Arial" pitchFamily="34" charset="0"/>
+              </a:rPr>
+              <a:t>externa sobre el sistema debe ser cero</a:t>
             </a:r>
             <a:endParaRPr lang="es-ES" sz="900" dirty="0">
               <a:latin typeface="Arial" pitchFamily="34" charset="0"/>
@@ -2403,6 +2531,16 @@
           <a:p>
             <a:pPr algn="ctr"/>
             <a:r>
+              <a:rPr lang="es-ES" sz="1000" dirty="0">
+                <a:solidFill>
+                  <a:schemeClr val="bg1"/>
+                </a:solidFill>
+                <a:latin typeface="Arial" pitchFamily="34" charset="0"/>
+                <a:cs typeface="Arial" pitchFamily="34" charset="0"/>
+              </a:rPr>
+              <a:t>e</a:t>
+            </a:r>
+            <a:r>
               <a:rPr lang="es-ES" sz="1000" dirty="0" smtClean="0">
                 <a:solidFill>
                   <a:schemeClr val="bg1"/>
@@ -2410,7 +2548,17 @@
                 <a:latin typeface="Arial" pitchFamily="34" charset="0"/>
                 <a:cs typeface="Arial" pitchFamily="34" charset="0"/>
               </a:rPr>
-              <a:t>El principio de conservación del </a:t>
+              <a:t>l </a:t>
+            </a:r>
+            <a:r>
+              <a:rPr lang="es-ES" sz="1000" dirty="0" smtClean="0">
+                <a:solidFill>
+                  <a:schemeClr val="bg1"/>
+                </a:solidFill>
+                <a:latin typeface="Arial" pitchFamily="34" charset="0"/>
+                <a:cs typeface="Arial" pitchFamily="34" charset="0"/>
+              </a:rPr>
+              <a:t>principio de conservación del </a:t>
             </a:r>
             <a:r>
               <a:rPr lang="es-ES" sz="1000" dirty="0" err="1" smtClean="0">
@@ -2475,11 +2623,32 @@
           <a:p>
             <a:pPr algn="ctr"/>
             <a:r>
+              <a:rPr lang="es-ES" sz="1000" dirty="0">
+                <a:latin typeface="Arial" pitchFamily="34" charset="0"/>
+                <a:cs typeface="Arial" pitchFamily="34" charset="0"/>
+              </a:rPr>
+              <a:t>c</a:t>
+            </a:r>
+            <a:r>
               <a:rPr lang="es-ES" sz="1000" dirty="0" smtClean="0">
                 <a:latin typeface="Arial" pitchFamily="34" charset="0"/>
                 <a:cs typeface="Arial" pitchFamily="34" charset="0"/>
               </a:rPr>
-              <a:t>Colisiones Elásticas</a:t>
+              <a:t>olisiones </a:t>
+            </a:r>
+            <a:r>
+              <a:rPr lang="es-ES" sz="1000" dirty="0">
+                <a:latin typeface="Arial" pitchFamily="34" charset="0"/>
+                <a:cs typeface="Arial" pitchFamily="34" charset="0"/>
+              </a:rPr>
+              <a:t>e</a:t>
+            </a:r>
+            <a:r>
+              <a:rPr lang="es-ES" sz="1000" dirty="0" smtClean="0">
+                <a:latin typeface="Arial" pitchFamily="34" charset="0"/>
+                <a:cs typeface="Arial" pitchFamily="34" charset="0"/>
+              </a:rPr>
+              <a:t>lásticas</a:t>
             </a:r>
             <a:endParaRPr lang="es-ES" sz="1000" dirty="0">
               <a:latin typeface="Arial" pitchFamily="34" charset="0"/>
@@ -2525,14 +2694,28 @@
                 <a:latin typeface="Arial" pitchFamily="34" charset="0"/>
                 <a:cs typeface="Arial" pitchFamily="34" charset="0"/>
               </a:rPr>
-              <a:t>Colisiones </a:t>
+              <a:t>c</a:t>
             </a:r>
             <a:r>
               <a:rPr lang="es-ES" sz="1000" dirty="0" smtClean="0">
                 <a:latin typeface="Arial" pitchFamily="34" charset="0"/>
                 <a:cs typeface="Arial" pitchFamily="34" charset="0"/>
               </a:rPr>
-              <a:t>Inelásticas</a:t>
+              <a:t>olisiones </a:t>
+            </a:r>
+            <a:r>
+              <a:rPr lang="es-ES" sz="1000" dirty="0">
+                <a:latin typeface="Arial" pitchFamily="34" charset="0"/>
+                <a:cs typeface="Arial" pitchFamily="34" charset="0"/>
+              </a:rPr>
+              <a:t>i</a:t>
+            </a:r>
+            <a:r>
+              <a:rPr lang="es-ES" sz="1000" dirty="0" smtClean="0">
+                <a:latin typeface="Arial" pitchFamily="34" charset="0"/>
+                <a:cs typeface="Arial" pitchFamily="34" charset="0"/>
+              </a:rPr>
+              <a:t>nelásticas</a:t>
             </a:r>
             <a:endParaRPr lang="es-ES" sz="1000" dirty="0">
               <a:latin typeface="Arial" pitchFamily="34" charset="0"/>
@@ -2591,8 +2774,8 @@
         </p:nvSpPr>
         <p:spPr>
           <a:xfrm>
-            <a:off x="5914013" y="3529008"/>
-            <a:ext cx="864016" cy="864000"/>
+            <a:off x="5914013" y="3568593"/>
+            <a:ext cx="864016" cy="784830"/>
           </a:xfrm>
           <a:prstGeom prst="rect">
             <a:avLst/>
@@ -2612,11 +2795,25 @@
           <a:p>
             <a:pPr algn="ctr"/>
             <a:r>
+              <a:rPr lang="es-ES" sz="900" dirty="0">
+                <a:latin typeface="Arial" pitchFamily="34" charset="0"/>
+                <a:cs typeface="Arial" pitchFamily="34" charset="0"/>
+              </a:rPr>
+              <a:t>e</a:t>
+            </a:r>
+            <a:r>
               <a:rPr lang="es-ES" sz="900" dirty="0" smtClean="0">
                 <a:latin typeface="Arial" pitchFamily="34" charset="0"/>
                 <a:cs typeface="Arial" pitchFamily="34" charset="0"/>
               </a:rPr>
-              <a:t>Energía cinética se transforma en otro tipo de energía </a:t>
+              <a:t>nergía </a:t>
+            </a:r>
+            <a:r>
+              <a:rPr lang="es-ES" sz="900" dirty="0" smtClean="0">
+                <a:latin typeface="Arial" pitchFamily="34" charset="0"/>
+                <a:cs typeface="Arial" pitchFamily="34" charset="0"/>
+              </a:rPr>
+              <a:t>cinética se transforma en otro tipo de energía </a:t>
             </a:r>
           </a:p>
         </p:txBody>
@@ -2717,7 +2914,27 @@
                 <a:latin typeface="Arial" pitchFamily="34" charset="0"/>
                 <a:cs typeface="Arial" pitchFamily="34" charset="0"/>
               </a:rPr>
-              <a:t>Cantidad vectorial</a:t>
+              <a:t>magnitud</a:t>
+            </a:r>
+            <a:r>
+              <a:rPr lang="es-ES" sz="1000" dirty="0" smtClean="0">
+                <a:solidFill>
+                  <a:schemeClr val="bg1"/>
+                </a:solidFill>
+                <a:latin typeface="Arial" pitchFamily="34" charset="0"/>
+                <a:cs typeface="Arial" pitchFamily="34" charset="0"/>
+              </a:rPr>
+              <a:t> </a:t>
+            </a:r>
+            <a:r>
+              <a:rPr lang="es-ES" sz="1000" dirty="0" smtClean="0">
+                <a:solidFill>
+                  <a:schemeClr val="bg1"/>
+                </a:solidFill>
+                <a:latin typeface="Arial" pitchFamily="34" charset="0"/>
+                <a:cs typeface="Arial" pitchFamily="34" charset="0"/>
+              </a:rPr>
+              <a:t>vectorial</a:t>
             </a:r>
             <a:endParaRPr lang="es-ES" sz="1000" dirty="0">
               <a:solidFill>
@@ -2769,8 +2986,8 @@
         </p:nvSpPr>
         <p:spPr>
           <a:xfrm>
-            <a:off x="6955831" y="2700816"/>
-            <a:ext cx="864016" cy="432000"/>
+            <a:off x="6955831" y="2793705"/>
+            <a:ext cx="864016" cy="246221"/>
           </a:xfrm>
           <a:prstGeom prst="rect">
             <a:avLst/>
@@ -2794,11 +3011,18 @@
           <a:p>
             <a:pPr algn="ctr"/>
             <a:r>
+              <a:rPr lang="es-ES" sz="1000" dirty="0">
+                <a:latin typeface="Arial" pitchFamily="34" charset="0"/>
+                <a:cs typeface="Arial" pitchFamily="34" charset="0"/>
+              </a:rPr>
+              <a:t>f</a:t>
+            </a:r>
+            <a:r>
               <a:rPr lang="es-ES" sz="1000" dirty="0" smtClean="0">
                 <a:latin typeface="Arial" pitchFamily="34" charset="0"/>
                 <a:cs typeface="Arial" pitchFamily="34" charset="0"/>
               </a:rPr>
-              <a:t>Fuerza</a:t>
+              <a:t>uerza</a:t>
             </a:r>
             <a:endParaRPr lang="es-ES" sz="1000" dirty="0">
               <a:latin typeface="Arial" pitchFamily="34" charset="0"/>
@@ -2840,11 +3064,25 @@
           <a:p>
             <a:pPr algn="ctr"/>
             <a:r>
+              <a:rPr lang="es-ES" sz="1000" dirty="0">
+                <a:latin typeface="Arial" pitchFamily="34" charset="0"/>
+                <a:cs typeface="Arial" pitchFamily="34" charset="0"/>
+              </a:rPr>
+              <a:t>i</a:t>
+            </a:r>
+            <a:r>
               <a:rPr lang="es-ES" sz="1000" dirty="0" smtClean="0">
                 <a:latin typeface="Arial" pitchFamily="34" charset="0"/>
                 <a:cs typeface="Arial" pitchFamily="34" charset="0"/>
               </a:rPr>
-              <a:t>Intervalo de tiempo</a:t>
+              <a:t>ntervalo </a:t>
+            </a:r>
+            <a:r>
+              <a:rPr lang="es-ES" sz="1000" dirty="0" smtClean="0">
+                <a:latin typeface="Arial" pitchFamily="34" charset="0"/>
+                <a:cs typeface="Arial" pitchFamily="34" charset="0"/>
+              </a:rPr>
+              <a:t>de tiempo</a:t>
             </a:r>
             <a:endParaRPr lang="es-ES" sz="1000" dirty="0">
               <a:latin typeface="Arial" pitchFamily="34" charset="0"/>
@@ -2882,11 +3120,25 @@
           <a:p>
             <a:pPr algn="ctr"/>
             <a:r>
+              <a:rPr lang="es-ES" sz="900" dirty="0">
+                <a:latin typeface="Arial" pitchFamily="34" charset="0"/>
+                <a:cs typeface="Arial" pitchFamily="34" charset="0"/>
+              </a:rPr>
+              <a:t>c</a:t>
+            </a:r>
+            <a:r>
+              <a:rPr lang="es-ES" sz="900" smtClean="0">
+                <a:latin typeface="Arial" pitchFamily="34" charset="0"/>
+                <a:cs typeface="Arial" pitchFamily="34" charset="0"/>
+              </a:rPr>
+              <a:t>ambio </a:t>
+            </a:r>
+            <a:r>
               <a:rPr lang="es-ES" sz="900" dirty="0" smtClean="0">
                 <a:latin typeface="Arial" pitchFamily="34" charset="0"/>
                 <a:cs typeface="Arial" pitchFamily="34" charset="0"/>
               </a:rPr>
-              <a:t>Cambio de </a:t>
+              <a:t>de </a:t>
             </a:r>
             <a:r>
               <a:rPr lang="es-ES" sz="900" dirty="0" err="1" smtClean="0">
@@ -3090,8 +3342,8 @@
         </p:nvCxnSpPr>
         <p:spPr>
           <a:xfrm rot="16200000" flipH="1">
-            <a:off x="4912017" y="113268"/>
-            <a:ext cx="400006" cy="1080040"/>
+            <a:off x="4900128" y="125157"/>
+            <a:ext cx="423785" cy="1080040"/>
           </a:xfrm>
           <a:prstGeom prst="bentConnector3">
             <a:avLst/>
@@ -3242,8 +3494,8 @@
         </p:nvCxnSpPr>
         <p:spPr>
           <a:xfrm>
-            <a:off x="5652040" y="1393291"/>
-            <a:ext cx="0" cy="344357"/>
+            <a:off x="5652040" y="1369513"/>
+            <a:ext cx="0" cy="368135"/>
           </a:xfrm>
           <a:prstGeom prst="line">
             <a:avLst/>
@@ -3665,7 +3917,7 @@
         <p:spPr>
           <a:xfrm>
             <a:off x="6344864" y="3044941"/>
-            <a:ext cx="1157" cy="484067"/>
+            <a:ext cx="1157" cy="523652"/>
           </a:xfrm>
           <a:prstGeom prst="line">
             <a:avLst/>
@@ -4286,12 +4538,12 @@
         </p:nvCxnSpPr>
         <p:spPr>
           <a:xfrm rot="5400000">
-            <a:off x="7354913" y="2070984"/>
-            <a:ext cx="662759" cy="596905"/>
+            <a:off x="7308468" y="2117429"/>
+            <a:ext cx="755648" cy="596905"/>
           </a:xfrm>
           <a:prstGeom prst="bentConnector3">
             <a:avLst>
-              <a:gd name="adj1" fmla="val 66137"/>
+              <a:gd name="adj1" fmla="val 50000"/>
             </a:avLst>
           </a:prstGeom>
           <a:ln>
@@ -4480,12 +4732,12 @@
         </p:nvCxnSpPr>
         <p:spPr>
           <a:xfrm rot="16200000" flipH="1">
-            <a:off x="7298845" y="3221810"/>
-            <a:ext cx="774894" cy="596906"/>
+            <a:off x="7252400" y="3175365"/>
+            <a:ext cx="867784" cy="596906"/>
           </a:xfrm>
           <a:prstGeom prst="bentConnector3">
             <a:avLst>
-              <a:gd name="adj1" fmla="val 27055"/>
+              <a:gd name="adj1" fmla="val 50000"/>
             </a:avLst>
           </a:prstGeom>
           <a:ln>
@@ -4875,7 +5127,7 @@
   <p:timing>
     <p:tnLst>
       <p:par>
-        <p:cTn xmlns:p14="http://schemas.microsoft.com/office/powerpoint/2010/main" id="1" dur="indefinite" restart="never" nodeType="tmRoot"/>
+        <p:cTn id="1" dur="indefinite" restart="never" nodeType="tmRoot"/>
       </p:par>
     </p:tnLst>
   </p:timing>
@@ -5154,7 +5406,7 @@
   <a:extraClrSchemeLst/>
   <a:extLst>
     <a:ext uri="{05A4C25C-085E-4340-85A3-A5531E510DB2}">
-      <thm15:themeFamily xmlns:thm15="http://schemas.microsoft.com/office/thememl/2012/main" xmlns="" name="Office Theme" id="{62F939B6-93AF-4DB8-9C6B-D6C7DFDC589F}" vid="{4A3C46E8-61CC-4603-A589-7422A47A8E4A}"/>
+      <thm15:themeFamily xmlns:thm15="http://schemas.microsoft.com/office/thememl/2012/main" name="Office Theme" id="{62F939B6-93AF-4DB8-9C6B-D6C7DFDC589F}" vid="{4A3C46E8-61CC-4603-A589-7422A47A8E4A}"/>
     </a:ext>
   </a:extLst>
 </a:theme>
